--- a/References/tsch-building-tree-prr-20200125 (1).pptx
+++ b/References/tsch-building-tree-prr-20200125 (1).pptx
@@ -223,7 +223,7 @@
             <a:fld id="{7FACD6A2-A186-4ADA-B61C-357BC75CB575}" type="datetimeFigureOut">
               <a:rPr lang="en-US" smtClean="0"/>
               <a:pPr/>
-              <a:t>8/17/2020</a:t>
+              <a:t>9/22/2020</a:t>
             </a:fld>
             <a:endParaRPr lang="en-US"/>
           </a:p>
@@ -1367,7 +1367,7 @@
           <a:p>
             <a:fld id="{C1C3D97E-19C6-44B3-AF79-49E6CB377417}" type="datetimeFigureOut">
               <a:rPr lang="en-US" smtClean="0"/>
-              <a:t>8/17/2020</a:t>
+              <a:t>9/22/2020</a:t>
             </a:fld>
             <a:endParaRPr lang="en-US"/>
           </a:p>
@@ -4123,6 +4123,35 @@
       </p:grpSpPr>
       <p:sp>
         <p:nvSpPr>
+          <p:cNvPr id="141" name="TextBox 140"/>
+          <p:cNvSpPr txBox="1"/>
+          <p:nvPr/>
+        </p:nvSpPr>
+        <p:spPr>
+          <a:xfrm>
+            <a:off x="546777" y="248342"/>
+            <a:ext cx="3355406" cy="523220"/>
+          </a:xfrm>
+          <a:prstGeom prst="rect">
+            <a:avLst/>
+          </a:prstGeom>
+        </p:spPr>
+        <p:txBody>
+          <a:bodyPr vert="horz" wrap="none" lIns="91440" tIns="45720" rIns="91440" bIns="45720" rtlCol="0" anchor="ctr">
+            <a:spAutoFit/>
+          </a:bodyPr>
+          <a:lstStyle/>
+          <a:p>
+            <a:r>
+              <a:rPr lang="en-US" altLang="ko-KR" sz="2800" dirty="0"/>
+              <a:t>Example Network</a:t>
+            </a:r>
+            <a:endParaRPr lang="ko-KR" altLang="en-US" sz="2800" dirty="0"/>
+          </a:p>
+        </p:txBody>
+      </p:sp>
+      <p:sp>
+        <p:nvSpPr>
           <p:cNvPr id="5" name="타원 4"/>
           <p:cNvSpPr/>
           <p:nvPr/>
@@ -4679,6 +4708,9 @@
             <a:schemeClr val="bg1"/>
           </a:solidFill>
           <a:ln>
+            <a:solidFill>
+              <a:schemeClr val="tx1"/>
+            </a:solidFill>
             <a:headEnd type="none" w="med" len="med"/>
             <a:tailEnd type="triangle" w="med" len="med"/>
           </a:ln>
@@ -4738,7 +4770,7 @@
         </p:nvCxnSpPr>
         <p:spPr>
           <a:xfrm flipV="1">
-            <a:off x="3501304" y="1956121"/>
+            <a:off x="3429000" y="1905000"/>
             <a:ext cx="1165961" cy="303209"/>
           </a:xfrm>
           <a:prstGeom prst="line">
@@ -4748,6 +4780,9 @@
             <a:schemeClr val="bg1"/>
           </a:solidFill>
           <a:ln>
+            <a:solidFill>
+              <a:schemeClr val="tx1"/>
+            </a:solidFill>
             <a:headEnd type="triangle" w="med" len="med"/>
             <a:tailEnd type="none" w="med" len="med"/>
           </a:ln>
@@ -4785,6 +4820,9 @@
             <a:schemeClr val="bg1"/>
           </a:solidFill>
           <a:ln>
+            <a:solidFill>
+              <a:schemeClr val="tx2"/>
+            </a:solidFill>
             <a:headEnd type="none" w="med" len="med"/>
             <a:tailEnd type="triangle" w="med" len="med"/>
           </a:ln>
@@ -4812,7 +4850,7 @@
         </p:nvCxnSpPr>
         <p:spPr>
           <a:xfrm flipV="1">
-            <a:off x="2309915" y="2513106"/>
+            <a:off x="2286000" y="2470876"/>
             <a:ext cx="671030" cy="577124"/>
           </a:xfrm>
           <a:prstGeom prst="line">
@@ -4822,6 +4860,9 @@
             <a:schemeClr val="bg1"/>
           </a:solidFill>
           <a:ln>
+            <a:solidFill>
+              <a:schemeClr val="tx1"/>
+            </a:solidFill>
             <a:headEnd type="triangle" w="med" len="med"/>
             <a:tailEnd type="none" w="med" len="med"/>
           </a:ln>
@@ -4859,6 +4900,9 @@
             <a:schemeClr val="bg1"/>
           </a:solidFill>
           <a:ln>
+            <a:solidFill>
+              <a:schemeClr val="tx1"/>
+            </a:solidFill>
             <a:headEnd type="none" w="med" len="med"/>
             <a:tailEnd type="triangle" w="med" len="med"/>
           </a:ln>
@@ -4886,7 +4930,7 @@
         </p:nvCxnSpPr>
         <p:spPr>
           <a:xfrm flipV="1">
-            <a:off x="2094236" y="3700433"/>
+            <a:off x="2040709" y="3667545"/>
             <a:ext cx="22135" cy="850769"/>
           </a:xfrm>
           <a:prstGeom prst="line">
@@ -4896,6 +4940,9 @@
             <a:schemeClr val="bg1"/>
           </a:solidFill>
           <a:ln>
+            <a:solidFill>
+              <a:schemeClr val="tx1"/>
+            </a:solidFill>
             <a:headEnd type="triangle" w="med" len="med"/>
             <a:tailEnd type="none" w="med" len="med"/>
           </a:ln>
@@ -4923,7 +4970,7 @@
         </p:nvCxnSpPr>
         <p:spPr>
           <a:xfrm flipH="1" flipV="1">
-            <a:off x="2290191" y="3440941"/>
+            <a:off x="2342807" y="3441430"/>
             <a:ext cx="589881" cy="493121"/>
           </a:xfrm>
           <a:prstGeom prst="line">
@@ -4933,6 +4980,9 @@
             <a:schemeClr val="bg1"/>
           </a:solidFill>
           <a:ln>
+            <a:solidFill>
+              <a:schemeClr val="tx2"/>
+            </a:solidFill>
             <a:headEnd type="none" w="med" len="med"/>
             <a:tailEnd type="triangle" w="med" len="med"/>
           </a:ln>
@@ -4970,6 +5020,9 @@
             <a:schemeClr val="bg1"/>
           </a:solidFill>
           <a:ln>
+            <a:solidFill>
+              <a:schemeClr val="tx1"/>
+            </a:solidFill>
             <a:headEnd type="triangle" w="med" len="med"/>
             <a:tailEnd type="none" w="med" len="med"/>
           </a:ln>
@@ -5007,6 +5060,9 @@
             <a:schemeClr val="bg1"/>
           </a:solidFill>
           <a:ln>
+            <a:solidFill>
+              <a:schemeClr val="tx1"/>
+            </a:solidFill>
             <a:headEnd type="triangle" w="med" len="med"/>
             <a:tailEnd type="none" w="med" len="med"/>
           </a:ln>
@@ -5034,7 +5090,7 @@
         </p:nvCxnSpPr>
         <p:spPr>
           <a:xfrm>
-            <a:off x="3368318" y="2567059"/>
+            <a:off x="3394472" y="2514644"/>
             <a:ext cx="715966" cy="461967"/>
           </a:xfrm>
           <a:prstGeom prst="line">
@@ -5044,6 +5100,9 @@
             <a:schemeClr val="bg1"/>
           </a:solidFill>
           <a:ln>
+            <a:solidFill>
+              <a:schemeClr val="tx1"/>
+            </a:solidFill>
             <a:headEnd type="triangle" w="med" len="med"/>
             <a:tailEnd type="none" w="med" len="med"/>
           </a:ln>
@@ -5081,6 +5140,9 @@
             <a:schemeClr val="bg1"/>
           </a:solidFill>
           <a:ln>
+            <a:solidFill>
+              <a:schemeClr val="tx1"/>
+            </a:solidFill>
             <a:headEnd type="triangle" w="med" len="med"/>
             <a:tailEnd type="none" w="med" len="med"/>
           </a:ln>
@@ -5108,7 +5170,7 @@
         </p:nvCxnSpPr>
         <p:spPr>
           <a:xfrm flipV="1">
-            <a:off x="4537864" y="2245801"/>
+            <a:off x="4495800" y="2245801"/>
             <a:ext cx="331316" cy="710760"/>
           </a:xfrm>
           <a:prstGeom prst="line">
@@ -5118,6 +5180,9 @@
             <a:schemeClr val="bg1"/>
           </a:solidFill>
           <a:ln>
+            <a:solidFill>
+              <a:schemeClr val="tx1"/>
+            </a:solidFill>
             <a:headEnd type="triangle" w="med" len="med"/>
             <a:tailEnd type="none" w="med" len="med"/>
           </a:ln>
@@ -5145,7 +5210,7 @@
         </p:nvCxnSpPr>
         <p:spPr>
           <a:xfrm flipH="1" flipV="1">
-            <a:off x="5135577" y="2128298"/>
+            <a:off x="5158772" y="2122379"/>
             <a:ext cx="632428" cy="620821"/>
           </a:xfrm>
           <a:prstGeom prst="line">
@@ -5155,6 +5220,9 @@
             <a:schemeClr val="bg1"/>
           </a:solidFill>
           <a:ln>
+            <a:solidFill>
+              <a:schemeClr val="tx1"/>
+            </a:solidFill>
             <a:headEnd type="triangle" w="med" len="med"/>
             <a:tailEnd type="none" w="med" len="med"/>
           </a:ln>
@@ -5182,7 +5250,7 @@
         </p:nvCxnSpPr>
         <p:spPr>
           <a:xfrm>
-            <a:off x="5220131" y="2057400"/>
+            <a:off x="5198658" y="2050689"/>
             <a:ext cx="613221" cy="590992"/>
           </a:xfrm>
           <a:prstGeom prst="line">
@@ -5192,6 +5260,9 @@
             <a:schemeClr val="bg1"/>
           </a:solidFill>
           <a:ln>
+            <a:solidFill>
+              <a:schemeClr val="tx1"/>
+            </a:solidFill>
             <a:headEnd type="triangle" w="med" len="med"/>
             <a:tailEnd type="none" w="med" len="med"/>
           </a:ln>
@@ -5214,13 +5285,15 @@
       <p:cxnSp>
         <p:nvCxnSpPr>
           <p:cNvPr id="181" name="직선 연결선 180"/>
-          <p:cNvCxnSpPr/>
+          <p:cNvCxnSpPr>
+            <a:cxnSpLocks/>
+          </p:cNvCxnSpPr>
           <p:nvPr/>
         </p:nvCxnSpPr>
         <p:spPr>
           <a:xfrm flipV="1">
-            <a:off x="3489848" y="3405889"/>
-            <a:ext cx="531291" cy="418572"/>
+            <a:off x="3498997" y="3415514"/>
+            <a:ext cx="535029" cy="435171"/>
           </a:xfrm>
           <a:prstGeom prst="line">
             <a:avLst/>
@@ -5229,6 +5302,9 @@
             <a:schemeClr val="bg1"/>
           </a:solidFill>
           <a:ln>
+            <a:solidFill>
+              <a:schemeClr val="tx1"/>
+            </a:solidFill>
             <a:headEnd type="triangle" w="med" len="med"/>
             <a:tailEnd type="none" w="med" len="med"/>
           </a:ln>
@@ -5256,7 +5332,7 @@
         </p:nvCxnSpPr>
         <p:spPr>
           <a:xfrm flipH="1">
-            <a:off x="3591885" y="3461606"/>
+            <a:off x="3573610" y="3426154"/>
             <a:ext cx="541757" cy="452770"/>
           </a:xfrm>
           <a:prstGeom prst="line">
@@ -5266,6 +5342,9 @@
             <a:schemeClr val="bg1"/>
           </a:solidFill>
           <a:ln>
+            <a:solidFill>
+              <a:schemeClr val="tx1"/>
+            </a:solidFill>
             <a:headEnd type="triangle" w="med" len="med"/>
             <a:tailEnd type="none" w="med" len="med"/>
           </a:ln>
@@ -5288,13 +5367,15 @@
       <p:cxnSp>
         <p:nvCxnSpPr>
           <p:cNvPr id="187" name="직선 연결선 186"/>
-          <p:cNvCxnSpPr/>
+          <p:cNvCxnSpPr>
+            <a:cxnSpLocks/>
+          </p:cNvCxnSpPr>
           <p:nvPr/>
         </p:nvCxnSpPr>
         <p:spPr>
           <a:xfrm flipH="1">
-            <a:off x="4680690" y="2940038"/>
-            <a:ext cx="950491" cy="191448"/>
+            <a:off x="4680691" y="2963008"/>
+            <a:ext cx="928801" cy="200240"/>
           </a:xfrm>
           <a:prstGeom prst="line">
             <a:avLst/>
@@ -5303,6 +5384,9 @@
             <a:schemeClr val="bg1"/>
           </a:solidFill>
           <a:ln>
+            <a:solidFill>
+              <a:schemeClr val="tx1"/>
+            </a:solidFill>
             <a:headEnd type="triangle" w="med" len="med"/>
             <a:tailEnd type="none" w="med" len="med"/>
           </a:ln>
@@ -5330,7 +5414,7 @@
         </p:nvCxnSpPr>
         <p:spPr>
           <a:xfrm flipV="1">
-            <a:off x="4667265" y="3051048"/>
+            <a:off x="4667265" y="3024552"/>
             <a:ext cx="963916" cy="212595"/>
           </a:xfrm>
           <a:prstGeom prst="line">
@@ -5340,6 +5424,9 @@
             <a:schemeClr val="bg1"/>
           </a:solidFill>
           <a:ln>
+            <a:solidFill>
+              <a:schemeClr val="tx1"/>
+            </a:solidFill>
             <a:headEnd type="triangle" w="med" len="med"/>
             <a:tailEnd type="none" w="med" len="med"/>
           </a:ln>
@@ -5367,7 +5454,7 @@
         </p:nvCxnSpPr>
         <p:spPr>
           <a:xfrm flipH="1" flipV="1">
-            <a:off x="6240780" y="3191256"/>
+            <a:off x="6247336" y="3192267"/>
             <a:ext cx="467592" cy="525539"/>
           </a:xfrm>
           <a:prstGeom prst="line">
@@ -5377,6 +5464,9 @@
             <a:schemeClr val="bg1"/>
           </a:solidFill>
           <a:ln>
+            <a:solidFill>
+              <a:schemeClr val="tx1"/>
+            </a:solidFill>
             <a:headEnd type="triangle" w="med" len="med"/>
             <a:tailEnd type="none" w="med" len="med"/>
           </a:ln>
@@ -5399,13 +5489,15 @@
       <p:cxnSp>
         <p:nvCxnSpPr>
           <p:cNvPr id="196" name="직선 연결선 195"/>
-          <p:cNvCxnSpPr/>
+          <p:cNvCxnSpPr>
+            <a:cxnSpLocks/>
+          </p:cNvCxnSpPr>
           <p:nvPr/>
         </p:nvCxnSpPr>
         <p:spPr>
           <a:xfrm>
-            <a:off x="6138151" y="3258554"/>
-            <a:ext cx="482138" cy="498317"/>
+            <a:off x="6173114" y="3222866"/>
+            <a:ext cx="467592" cy="502114"/>
           </a:xfrm>
           <a:prstGeom prst="line">
             <a:avLst/>
@@ -5414,6 +5506,9 @@
             <a:schemeClr val="bg1"/>
           </a:solidFill>
           <a:ln>
+            <a:solidFill>
+              <a:schemeClr val="tx1"/>
+            </a:solidFill>
             <a:headEnd type="triangle" w="med" len="med"/>
             <a:tailEnd type="none" w="med" len="med"/>
           </a:ln>
@@ -5441,7 +5536,7 @@
         </p:nvCxnSpPr>
         <p:spPr>
           <a:xfrm flipV="1">
-            <a:off x="5372419" y="4191658"/>
+            <a:off x="5382879" y="4166484"/>
             <a:ext cx="998239" cy="251131"/>
           </a:xfrm>
           <a:prstGeom prst="line">
@@ -5451,6 +5546,9 @@
             <a:schemeClr val="bg1"/>
           </a:solidFill>
           <a:ln>
+            <a:solidFill>
+              <a:schemeClr val="tx1"/>
+            </a:solidFill>
             <a:headEnd type="triangle" w="med" len="med"/>
             <a:tailEnd type="none" w="med" len="med"/>
           </a:ln>
@@ -5478,7 +5576,7 @@
         </p:nvCxnSpPr>
         <p:spPr>
           <a:xfrm flipH="1">
-            <a:off x="5358830" y="4083509"/>
+            <a:off x="5369291" y="4109083"/>
             <a:ext cx="1025416" cy="262474"/>
           </a:xfrm>
           <a:prstGeom prst="line">
@@ -5488,6 +5586,9 @@
             <a:schemeClr val="bg1"/>
           </a:solidFill>
           <a:ln>
+            <a:solidFill>
+              <a:schemeClr val="tx1"/>
+            </a:solidFill>
             <a:headEnd type="triangle" w="med" len="med"/>
             <a:tailEnd type="none" w="med" len="med"/>
           </a:ln>
@@ -5515,7 +5616,7 @@
         </p:nvCxnSpPr>
         <p:spPr>
           <a:xfrm>
-            <a:off x="4562717" y="3494806"/>
+            <a:off x="4562717" y="3523521"/>
             <a:ext cx="390283" cy="667479"/>
           </a:xfrm>
           <a:prstGeom prst="line">
@@ -5525,6 +5626,9 @@
             <a:schemeClr val="bg1"/>
           </a:solidFill>
           <a:ln>
+            <a:solidFill>
+              <a:schemeClr val="tx1"/>
+            </a:solidFill>
             <a:headEnd type="triangle" w="med" len="med"/>
             <a:tailEnd type="none" w="med" len="med"/>
           </a:ln>
@@ -5562,6 +5666,9 @@
             <a:schemeClr val="bg1"/>
           </a:solidFill>
           <a:ln>
+            <a:solidFill>
+              <a:schemeClr val="tx1"/>
+            </a:solidFill>
             <a:headEnd type="triangle" w="med" len="med"/>
             <a:tailEnd type="none" w="med" len="med"/>
           </a:ln>
@@ -5589,7 +5696,7 @@
         </p:nvCxnSpPr>
         <p:spPr>
           <a:xfrm>
-            <a:off x="3588398" y="4092930"/>
+            <a:off x="3588290" y="4118739"/>
             <a:ext cx="1069768" cy="374335"/>
           </a:xfrm>
           <a:prstGeom prst="line">
@@ -5599,6 +5706,9 @@
             <a:schemeClr val="bg1"/>
           </a:solidFill>
           <a:ln>
+            <a:solidFill>
+              <a:schemeClr val="tx1"/>
+            </a:solidFill>
             <a:headEnd type="triangle" w="med" len="med"/>
             <a:tailEnd type="none" w="med" len="med"/>
           </a:ln>
@@ -5626,7 +5736,7 @@
         </p:nvCxnSpPr>
         <p:spPr>
           <a:xfrm flipH="1" flipV="1">
-            <a:off x="3583007" y="4201324"/>
+            <a:off x="3583005" y="4184065"/>
             <a:ext cx="1055897" cy="369984"/>
           </a:xfrm>
           <a:prstGeom prst="line">
@@ -5636,6 +5746,9 @@
             <a:schemeClr val="bg1"/>
           </a:solidFill>
           <a:ln>
+            <a:solidFill>
+              <a:schemeClr val="tx1"/>
+            </a:solidFill>
             <a:headEnd type="triangle" w="med" len="med"/>
             <a:tailEnd type="none" w="med" len="med"/>
           </a:ln>
@@ -5663,7 +5776,7 @@
         </p:nvCxnSpPr>
         <p:spPr>
           <a:xfrm flipH="1">
-            <a:off x="2316235" y="4180226"/>
+            <a:off x="2317124" y="4202807"/>
             <a:ext cx="692828" cy="479964"/>
           </a:xfrm>
           <a:prstGeom prst="line">
@@ -5673,6 +5786,9 @@
             <a:schemeClr val="bg1"/>
           </a:solidFill>
           <a:ln>
+            <a:solidFill>
+              <a:schemeClr val="tx1"/>
+            </a:solidFill>
             <a:headEnd type="triangle" w="med" len="med"/>
             <a:tailEnd type="none" w="med" len="med"/>
           </a:ln>
@@ -5700,7 +5816,7 @@
         </p:nvCxnSpPr>
         <p:spPr>
           <a:xfrm flipV="1">
-            <a:off x="2357174" y="4284773"/>
+            <a:off x="2356608" y="4258959"/>
             <a:ext cx="671553" cy="468066"/>
           </a:xfrm>
           <a:prstGeom prst="line">
@@ -5710,6 +5826,9 @@
             <a:schemeClr val="bg1"/>
           </a:solidFill>
           <a:ln>
+            <a:solidFill>
+              <a:schemeClr val="tx1"/>
+            </a:solidFill>
             <a:headEnd type="triangle" w="med" len="med"/>
             <a:tailEnd type="none" w="med" len="med"/>
           </a:ln>
@@ -5737,7 +5856,7 @@
         </p:nvCxnSpPr>
         <p:spPr>
           <a:xfrm flipH="1">
-            <a:off x="5185796" y="3191256"/>
+            <a:off x="5219844" y="3191256"/>
             <a:ext cx="647556" cy="980580"/>
           </a:xfrm>
           <a:prstGeom prst="line">
@@ -5747,6 +5866,9 @@
             <a:schemeClr val="bg1"/>
           </a:solidFill>
           <a:ln>
+            <a:solidFill>
+              <a:schemeClr val="tx1"/>
+            </a:solidFill>
             <a:headEnd type="triangle" w="med" len="med"/>
             <a:tailEnd type="none" w="med" len="med"/>
           </a:ln>
@@ -5784,6 +5906,9 @@
             <a:schemeClr val="bg1"/>
           </a:solidFill>
           <a:ln>
+            <a:solidFill>
+              <a:schemeClr val="tx1"/>
+            </a:solidFill>
             <a:headEnd type="triangle" w="med" len="med"/>
             <a:tailEnd type="none" w="med" len="med"/>
           </a:ln>
@@ -5843,7 +5968,7 @@
         </p:nvSpPr>
         <p:spPr>
           <a:xfrm>
-            <a:off x="3466615" y="2809013"/>
+            <a:off x="3482128" y="2743200"/>
             <a:ext cx="251672" cy="184666"/>
           </a:xfrm>
           <a:prstGeom prst="rect">
@@ -5875,7 +6000,7 @@
         </p:nvSpPr>
         <p:spPr>
           <a:xfrm>
-            <a:off x="3499446" y="3429596"/>
+            <a:off x="3517024" y="3394821"/>
             <a:ext cx="272374" cy="184666"/>
           </a:xfrm>
           <a:prstGeom prst="rect">
@@ -5971,7 +6096,7 @@
         </p:nvCxnSpPr>
         <p:spPr>
           <a:xfrm>
-            <a:off x="3094397" y="2613307"/>
+            <a:off x="3129641" y="2613306"/>
             <a:ext cx="29374" cy="1074684"/>
           </a:xfrm>
           <a:prstGeom prst="line">
@@ -5981,6 +6106,9 @@
             <a:schemeClr val="bg1"/>
           </a:solidFill>
           <a:ln>
+            <a:solidFill>
+              <a:schemeClr val="tx1"/>
+            </a:solidFill>
             <a:headEnd type="triangle" w="med" len="med"/>
             <a:tailEnd type="none" w="med" len="med"/>
           </a:ln>
@@ -6018,6 +6146,9 @@
             <a:schemeClr val="bg1"/>
           </a:solidFill>
           <a:ln>
+            <a:solidFill>
+              <a:schemeClr val="tx1"/>
+            </a:solidFill>
             <a:headEnd type="triangle" w="med" len="med"/>
             <a:tailEnd type="none" w="med" len="med"/>
           </a:ln>
@@ -6173,7 +6304,7 @@
         </p:nvSpPr>
         <p:spPr>
           <a:xfrm>
-            <a:off x="5675935" y="4001269"/>
+            <a:off x="5711586" y="4038600"/>
             <a:ext cx="251672" cy="184666"/>
           </a:xfrm>
           <a:prstGeom prst="rect">
@@ -6333,7 +6464,7 @@
         </p:nvSpPr>
         <p:spPr>
           <a:xfrm>
-            <a:off x="2168016" y="3928865"/>
+            <a:off x="2087254" y="3963214"/>
             <a:ext cx="251672" cy="184666"/>
           </a:xfrm>
           <a:prstGeom prst="rect">
@@ -6493,7 +6624,7 @@
         </p:nvSpPr>
         <p:spPr>
           <a:xfrm>
-            <a:off x="6157772" y="3531778"/>
+            <a:off x="6179670" y="3540314"/>
             <a:ext cx="251672" cy="184666"/>
           </a:xfrm>
           <a:prstGeom prst="rect">
@@ -6557,7 +6688,7 @@
         </p:nvSpPr>
         <p:spPr>
           <a:xfrm>
-            <a:off x="3808889" y="3750073"/>
+            <a:off x="3865170" y="3701534"/>
             <a:ext cx="325830" cy="184666"/>
           </a:xfrm>
           <a:prstGeom prst="rect">
@@ -6685,7 +6816,7 @@
         </p:nvSpPr>
         <p:spPr>
           <a:xfrm>
-            <a:off x="2820516" y="3117593"/>
+            <a:off x="2883001" y="3100237"/>
             <a:ext cx="251672" cy="184666"/>
           </a:xfrm>
           <a:prstGeom prst="rect">
@@ -6717,7 +6848,7 @@
         </p:nvSpPr>
         <p:spPr>
           <a:xfrm>
-            <a:off x="3807157" y="2484868"/>
+            <a:off x="3733800" y="2484868"/>
             <a:ext cx="251672" cy="184666"/>
           </a:xfrm>
           <a:prstGeom prst="rect">
@@ -6802,35 +6933,6 @@
               <a:t>0.8</a:t>
             </a:r>
             <a:endParaRPr lang="ko-KR" altLang="en-US" sz="1200" dirty="0"/>
-          </a:p>
-        </p:txBody>
-      </p:sp>
-      <p:sp>
-        <p:nvSpPr>
-          <p:cNvPr id="141" name="TextBox 140"/>
-          <p:cNvSpPr txBox="1"/>
-          <p:nvPr/>
-        </p:nvSpPr>
-        <p:spPr>
-          <a:xfrm>
-            <a:off x="546777" y="248342"/>
-            <a:ext cx="3355406" cy="523220"/>
-          </a:xfrm>
-          <a:prstGeom prst="rect">
-            <a:avLst/>
-          </a:prstGeom>
-        </p:spPr>
-        <p:txBody>
-          <a:bodyPr vert="horz" wrap="none" lIns="91440" tIns="45720" rIns="91440" bIns="45720" rtlCol="0" anchor="ctr">
-            <a:spAutoFit/>
-          </a:bodyPr>
-          <a:lstStyle/>
-          <a:p>
-            <a:r>
-              <a:rPr lang="en-US" altLang="ko-KR" sz="2800" dirty="0"/>
-              <a:t>Example Network</a:t>
-            </a:r>
-            <a:endParaRPr lang="ko-KR" altLang="en-US" sz="2800" dirty="0"/>
           </a:p>
         </p:txBody>
       </p:sp>
